--- a/Reports/PTTKHTTT/Nhóm 3_Báo Cáo Đồ Án.pptx
+++ b/Reports/PTTKHTTT/Nhóm 3_Báo Cáo Đồ Án.pptx
@@ -242,7 +242,7 @@
             <a:fld id="{23CEAAF3-9831-450B-8D59-2C09DB96C8FC}" type="datetimeFigureOut">
               <a:rPr lang="en-US"/>
               <a:pPr/>
-              <a:t>22/5/2017</a:t>
+              <a:t>1/6/2017</a:t>
             </a:fld>
             <a:endParaRPr/>
           </a:p>
@@ -409,7 +409,7 @@
             <a:fld id="{2D50CD79-FC16-4410-AB61-17F26E6D3BC8}" type="datetimeFigureOut">
               <a:rPr lang="en-US"/>
               <a:pPr/>
-              <a:t>22/5/2017</a:t>
+              <a:t>1/6/2017</a:t>
             </a:fld>
             <a:endParaRPr/>
           </a:p>
@@ -1451,7 +1451,7 @@
             <a:fld id="{402B9795-92DC-40DC-A1CA-9A4B349D7824}" type="datetimeFigureOut">
               <a:rPr lang="en-US" smtClean="0"/>
               <a:pPr/>
-              <a:t>22/5/2017</a:t>
+              <a:t>1/6/2017</a:t>
             </a:fld>
             <a:endParaRPr/>
           </a:p>
@@ -1764,7 +1764,7 @@
             <a:fld id="{402B9795-92DC-40DC-A1CA-9A4B349D7824}" type="datetimeFigureOut">
               <a:rPr lang="en-US" smtClean="0"/>
               <a:pPr/>
-              <a:t>22/5/2017</a:t>
+              <a:t>1/6/2017</a:t>
             </a:fld>
             <a:endParaRPr/>
           </a:p>
@@ -1946,7 +1946,7 @@
             <a:fld id="{402B9795-92DC-40DC-A1CA-9A4B349D7824}" type="datetimeFigureOut">
               <a:rPr lang="en-US" smtClean="0"/>
               <a:pPr/>
-              <a:t>22/5/2017</a:t>
+              <a:t>1/6/2017</a:t>
             </a:fld>
             <a:endParaRPr/>
           </a:p>
@@ -2138,7 +2138,7 @@
             <a:fld id="{402B9795-92DC-40DC-A1CA-9A4B349D7824}" type="datetimeFigureOut">
               <a:rPr lang="en-US" smtClean="0"/>
               <a:pPr/>
-              <a:t>22/5/2017</a:t>
+              <a:t>1/6/2017</a:t>
             </a:fld>
             <a:endParaRPr/>
           </a:p>
@@ -2407,7 +2407,7 @@
             <a:fld id="{402B9795-92DC-40DC-A1CA-9A4B349D7824}" type="datetimeFigureOut">
               <a:rPr lang="en-US" smtClean="0"/>
               <a:pPr/>
-              <a:t>22/5/2017</a:t>
+              <a:t>1/6/2017</a:t>
             </a:fld>
             <a:endParaRPr/>
           </a:p>
@@ -3394,7 +3394,7 @@
             <a:fld id="{402B9795-92DC-40DC-A1CA-9A4B349D7824}" type="datetimeFigureOut">
               <a:rPr lang="en-US" smtClean="0"/>
               <a:pPr/>
-              <a:t>22/5/2017</a:t>
+              <a:t>1/6/2017</a:t>
             </a:fld>
             <a:endParaRPr/>
           </a:p>
@@ -3703,7 +3703,7 @@
             <a:fld id="{402B9795-92DC-40DC-A1CA-9A4B349D7824}" type="datetimeFigureOut">
               <a:rPr lang="en-US" smtClean="0"/>
               <a:pPr/>
-              <a:t>22/5/2017</a:t>
+              <a:t>1/6/2017</a:t>
             </a:fld>
             <a:endParaRPr/>
           </a:p>
@@ -4082,7 +4082,7 @@
             <a:fld id="{402B9795-92DC-40DC-A1CA-9A4B349D7824}" type="datetimeFigureOut">
               <a:rPr lang="en-US" smtClean="0"/>
               <a:pPr/>
-              <a:t>22/5/2017</a:t>
+              <a:t>1/6/2017</a:t>
             </a:fld>
             <a:endParaRPr/>
           </a:p>
@@ -4213,7 +4213,7 @@
             <a:fld id="{402B9795-92DC-40DC-A1CA-9A4B349D7824}" type="datetimeFigureOut">
               <a:rPr lang="en-US" smtClean="0"/>
               <a:pPr/>
-              <a:t>22/5/2017</a:t>
+              <a:t>1/6/2017</a:t>
             </a:fld>
             <a:endParaRPr/>
           </a:p>
@@ -4322,7 +4322,7 @@
             <a:fld id="{402B9795-92DC-40DC-A1CA-9A4B349D7824}" type="datetimeFigureOut">
               <a:rPr lang="en-US" smtClean="0"/>
               <a:pPr/>
-              <a:t>22/5/2017</a:t>
+              <a:t>1/6/2017</a:t>
             </a:fld>
             <a:endParaRPr/>
           </a:p>
@@ -4613,7 +4613,7 @@
             <a:fld id="{402B9795-92DC-40DC-A1CA-9A4B349D7824}" type="datetimeFigureOut">
               <a:rPr lang="en-US" smtClean="0"/>
               <a:pPr/>
-              <a:t>22/5/2017</a:t>
+              <a:t>1/6/2017</a:t>
             </a:fld>
             <a:endParaRPr/>
           </a:p>
@@ -4867,7 +4867,7 @@
             <a:fld id="{402B9795-92DC-40DC-A1CA-9A4B349D7824}" type="datetimeFigureOut">
               <a:rPr lang="en-US" smtClean="0"/>
               <a:pPr/>
-              <a:t>22/5/2017</a:t>
+              <a:t>1/6/2017</a:t>
             </a:fld>
             <a:endParaRPr/>
           </a:p>
@@ -14753,7 +14753,14 @@
                 <a:latin typeface="Times New Roman" pitchFamily="18" charset="0"/>
                 <a:cs typeface="Times New Roman" pitchFamily="18" charset="0"/>
               </a:rPr>
-              <a:t> Đỗ Thị Minh Phụng</a:t>
+              <a:t> </a:t>
+            </a:r>
+            <a:r>
+              <a:rPr lang="vi-VN" sz="2400" b="1" smtClean="0">
+                <a:latin typeface="Times New Roman" pitchFamily="18" charset="0"/>
+                <a:cs typeface="Times New Roman" pitchFamily="18" charset="0"/>
+              </a:rPr>
+              <a:t>Đỗ Thị Minh Phụng</a:t>
             </a:r>
             <a:r>
               <a:rPr lang="en-US" sz="2400" smtClean="0">

--- a/Reports/PTTKHTTT/Nhóm 3_Báo Cáo Đồ Án.pptx
+++ b/Reports/PTTKHTTT/Nhóm 3_Báo Cáo Đồ Án.pptx
@@ -8371,7 +8371,7 @@
       </p:pic>
       <p:pic>
         <p:nvPicPr>
-          <p:cNvPr id="1030" name="Picture 6" descr="Image result for sql server"/>
+          <p:cNvPr id="4" name="Picture 2" descr="Image result for mysql"/>
           <p:cNvPicPr>
             <a:picLocks noChangeAspect="1" noChangeArrowheads="1"/>
           </p:cNvPicPr>
@@ -8392,8 +8392,8 @@
         </p:blipFill>
         <p:spPr bwMode="auto">
           <a:xfrm>
-            <a:off x="6234349" y="4052889"/>
-            <a:ext cx="5147884" cy="2525332"/>
+            <a:off x="4742089" y="3880640"/>
+            <a:ext cx="4667250" cy="1866901"/>
           </a:xfrm>
           <a:prstGeom prst="rect">
             <a:avLst/>
